--- a/453 - When Holy Ghost Shall Come in Power.pptx
+++ b/453 - When Holy Ghost Shall Come in Power.pptx
@@ -114,10 +114,6 @@
 </p:presentation>
 </file>
 
-<file path=ppt/revisionInfo.xml><?xml version="1.0" encoding="utf-8"?>
-<p1510:revInfo xmlns:a="http://schemas.openxmlformats.org/drawingml/2006/main" xmlns:r="http://schemas.openxmlformats.org/officeDocument/2006/relationships" xmlns:p1510="http://schemas.microsoft.com/office/powerpoint/2015/10/main"/>
-</file>
-
 <file path=ppt/slideLayouts/slideLayout1.xml><?xml version="1.0" encoding="utf-8"?>
 <p:sldLayout xmlns:a="http://schemas.openxmlformats.org/drawingml/2006/main" xmlns:r="http://schemas.openxmlformats.org/officeDocument/2006/relationships" xmlns:p="http://schemas.openxmlformats.org/presentationml/2006/main" type="title" preserve="1">
   <p:cSld name="Title Slide">
@@ -247,7 +243,7 @@
           <a:p>
             <a:fld id="{32F7251A-AE54-443C-B8FE-5F636E835EBF}" type="datetimeFigureOut">
               <a:rPr lang="en-US" smtClean="0"/>
-              <a:t>1/21/2018</a:t>
+              <a:t>6/10/2018</a:t>
             </a:fld>
             <a:endParaRPr lang="en-US"/>
           </a:p>
@@ -415,7 +411,7 @@
           <a:p>
             <a:fld id="{32F7251A-AE54-443C-B8FE-5F636E835EBF}" type="datetimeFigureOut">
               <a:rPr lang="en-US" smtClean="0"/>
-              <a:t>1/21/2018</a:t>
+              <a:t>6/10/2018</a:t>
             </a:fld>
             <a:endParaRPr lang="en-US"/>
           </a:p>
@@ -593,7 +589,7 @@
           <a:p>
             <a:fld id="{32F7251A-AE54-443C-B8FE-5F636E835EBF}" type="datetimeFigureOut">
               <a:rPr lang="en-US" smtClean="0"/>
-              <a:t>1/21/2018</a:t>
+              <a:t>6/10/2018</a:t>
             </a:fld>
             <a:endParaRPr lang="en-US"/>
           </a:p>
@@ -761,7 +757,7 @@
           <a:p>
             <a:fld id="{32F7251A-AE54-443C-B8FE-5F636E835EBF}" type="datetimeFigureOut">
               <a:rPr lang="en-US" smtClean="0"/>
-              <a:t>1/21/2018</a:t>
+              <a:t>6/10/2018</a:t>
             </a:fld>
             <a:endParaRPr lang="en-US"/>
           </a:p>
@@ -1006,7 +1002,7 @@
           <a:p>
             <a:fld id="{32F7251A-AE54-443C-B8FE-5F636E835EBF}" type="datetimeFigureOut">
               <a:rPr lang="en-US" smtClean="0"/>
-              <a:t>1/21/2018</a:t>
+              <a:t>6/10/2018</a:t>
             </a:fld>
             <a:endParaRPr lang="en-US"/>
           </a:p>
@@ -1235,7 +1231,7 @@
           <a:p>
             <a:fld id="{32F7251A-AE54-443C-B8FE-5F636E835EBF}" type="datetimeFigureOut">
               <a:rPr lang="en-US" smtClean="0"/>
-              <a:t>1/21/2018</a:t>
+              <a:t>6/10/2018</a:t>
             </a:fld>
             <a:endParaRPr lang="en-US"/>
           </a:p>
@@ -1599,7 +1595,7 @@
           <a:p>
             <a:fld id="{32F7251A-AE54-443C-B8FE-5F636E835EBF}" type="datetimeFigureOut">
               <a:rPr lang="en-US" smtClean="0"/>
-              <a:t>1/21/2018</a:t>
+              <a:t>6/10/2018</a:t>
             </a:fld>
             <a:endParaRPr lang="en-US"/>
           </a:p>
@@ -1716,7 +1712,7 @@
           <a:p>
             <a:fld id="{32F7251A-AE54-443C-B8FE-5F636E835EBF}" type="datetimeFigureOut">
               <a:rPr lang="en-US" smtClean="0"/>
-              <a:t>1/21/2018</a:t>
+              <a:t>6/10/2018</a:t>
             </a:fld>
             <a:endParaRPr lang="en-US"/>
           </a:p>
@@ -1811,7 +1807,7 @@
           <a:p>
             <a:fld id="{32F7251A-AE54-443C-B8FE-5F636E835EBF}" type="datetimeFigureOut">
               <a:rPr lang="en-US" smtClean="0"/>
-              <a:t>1/21/2018</a:t>
+              <a:t>6/10/2018</a:t>
             </a:fld>
             <a:endParaRPr lang="en-US"/>
           </a:p>
@@ -2086,7 +2082,7 @@
           <a:p>
             <a:fld id="{32F7251A-AE54-443C-B8FE-5F636E835EBF}" type="datetimeFigureOut">
               <a:rPr lang="en-US" smtClean="0"/>
-              <a:t>1/21/2018</a:t>
+              <a:t>6/10/2018</a:t>
             </a:fld>
             <a:endParaRPr lang="en-US"/>
           </a:p>
@@ -2338,7 +2334,7 @@
           <a:p>
             <a:fld id="{32F7251A-AE54-443C-B8FE-5F636E835EBF}" type="datetimeFigureOut">
               <a:rPr lang="en-US" smtClean="0"/>
-              <a:t>1/21/2018</a:t>
+              <a:t>6/10/2018</a:t>
             </a:fld>
             <a:endParaRPr lang="en-US"/>
           </a:p>
@@ -2552,7 +2548,7 @@
           <a:p>
             <a:fld id="{32F7251A-AE54-443C-B8FE-5F636E835EBF}" type="datetimeFigureOut">
               <a:rPr lang="en-US" smtClean="0"/>
-              <a:t>1/21/2018</a:t>
+              <a:t>6/10/2018</a:t>
             </a:fld>
             <a:endParaRPr lang="en-US"/>
           </a:p>

--- a/453 - When Holy Ghost Shall Come in Power.pptx
+++ b/453 - When Holy Ghost Shall Come in Power.pptx
@@ -243,7 +243,7 @@
           <a:p>
             <a:fld id="{32F7251A-AE54-443C-B8FE-5F636E835EBF}" type="datetimeFigureOut">
               <a:rPr lang="en-US" smtClean="0"/>
-              <a:t>6/10/2018</a:t>
+              <a:t>12/28/2019</a:t>
             </a:fld>
             <a:endParaRPr lang="en-US"/>
           </a:p>
@@ -411,7 +411,7 @@
           <a:p>
             <a:fld id="{32F7251A-AE54-443C-B8FE-5F636E835EBF}" type="datetimeFigureOut">
               <a:rPr lang="en-US" smtClean="0"/>
-              <a:t>6/10/2018</a:t>
+              <a:t>12/28/2019</a:t>
             </a:fld>
             <a:endParaRPr lang="en-US"/>
           </a:p>
@@ -589,7 +589,7 @@
           <a:p>
             <a:fld id="{32F7251A-AE54-443C-B8FE-5F636E835EBF}" type="datetimeFigureOut">
               <a:rPr lang="en-US" smtClean="0"/>
-              <a:t>6/10/2018</a:t>
+              <a:t>12/28/2019</a:t>
             </a:fld>
             <a:endParaRPr lang="en-US"/>
           </a:p>
@@ -757,7 +757,7 @@
           <a:p>
             <a:fld id="{32F7251A-AE54-443C-B8FE-5F636E835EBF}" type="datetimeFigureOut">
               <a:rPr lang="en-US" smtClean="0"/>
-              <a:t>6/10/2018</a:t>
+              <a:t>12/28/2019</a:t>
             </a:fld>
             <a:endParaRPr lang="en-US"/>
           </a:p>
@@ -1002,7 +1002,7 @@
           <a:p>
             <a:fld id="{32F7251A-AE54-443C-B8FE-5F636E835EBF}" type="datetimeFigureOut">
               <a:rPr lang="en-US" smtClean="0"/>
-              <a:t>6/10/2018</a:t>
+              <a:t>12/28/2019</a:t>
             </a:fld>
             <a:endParaRPr lang="en-US"/>
           </a:p>
@@ -1231,7 +1231,7 @@
           <a:p>
             <a:fld id="{32F7251A-AE54-443C-B8FE-5F636E835EBF}" type="datetimeFigureOut">
               <a:rPr lang="en-US" smtClean="0"/>
-              <a:t>6/10/2018</a:t>
+              <a:t>12/28/2019</a:t>
             </a:fld>
             <a:endParaRPr lang="en-US"/>
           </a:p>
@@ -1595,7 +1595,7 @@
           <a:p>
             <a:fld id="{32F7251A-AE54-443C-B8FE-5F636E835EBF}" type="datetimeFigureOut">
               <a:rPr lang="en-US" smtClean="0"/>
-              <a:t>6/10/2018</a:t>
+              <a:t>12/28/2019</a:t>
             </a:fld>
             <a:endParaRPr lang="en-US"/>
           </a:p>
@@ -1712,7 +1712,7 @@
           <a:p>
             <a:fld id="{32F7251A-AE54-443C-B8FE-5F636E835EBF}" type="datetimeFigureOut">
               <a:rPr lang="en-US" smtClean="0"/>
-              <a:t>6/10/2018</a:t>
+              <a:t>12/28/2019</a:t>
             </a:fld>
             <a:endParaRPr lang="en-US"/>
           </a:p>
@@ -1807,7 +1807,7 @@
           <a:p>
             <a:fld id="{32F7251A-AE54-443C-B8FE-5F636E835EBF}" type="datetimeFigureOut">
               <a:rPr lang="en-US" smtClean="0"/>
-              <a:t>6/10/2018</a:t>
+              <a:t>12/28/2019</a:t>
             </a:fld>
             <a:endParaRPr lang="en-US"/>
           </a:p>
@@ -2082,7 +2082,7 @@
           <a:p>
             <a:fld id="{32F7251A-AE54-443C-B8FE-5F636E835EBF}" type="datetimeFigureOut">
               <a:rPr lang="en-US" smtClean="0"/>
-              <a:t>6/10/2018</a:t>
+              <a:t>12/28/2019</a:t>
             </a:fld>
             <a:endParaRPr lang="en-US"/>
           </a:p>
@@ -2334,7 +2334,7 @@
           <a:p>
             <a:fld id="{32F7251A-AE54-443C-B8FE-5F636E835EBF}" type="datetimeFigureOut">
               <a:rPr lang="en-US" smtClean="0"/>
-              <a:t>6/10/2018</a:t>
+              <a:t>12/28/2019</a:t>
             </a:fld>
             <a:endParaRPr lang="en-US"/>
           </a:p>
@@ -2401,7 +2401,9 @@
     <p:bg>
       <p:bgPr>
         <a:solidFill>
-          <a:srgbClr val="333333"/>
+          <a:schemeClr val="bg1">
+            <a:lumMod val="10000"/>
+          </a:schemeClr>
         </a:solidFill>
         <a:effectLst/>
       </p:bgPr>
@@ -2548,7 +2550,7 @@
           <a:p>
             <a:fld id="{32F7251A-AE54-443C-B8FE-5F636E835EBF}" type="datetimeFigureOut">
               <a:rPr lang="en-US" smtClean="0"/>
-              <a:t>6/10/2018</a:t>
+              <a:t>12/28/2019</a:t>
             </a:fld>
             <a:endParaRPr lang="en-US"/>
           </a:p>
@@ -3030,15 +3032,23 @@
           <a:bodyPr wrap="square" rtlCol="0" anchor="ctr">
             <a:spAutoFit/>
           </a:bodyPr>
-          <a:lstStyle/>
-          <a:p>
-            <a:pPr algn="ctr"/>
-            <a:r>
-              <a:rPr lang="en-US" sz="4800" dirty="0">
+          <a:lstStyle>
+            <a:defPPr>
+              <a:defRPr lang="en-US"/>
+            </a:defPPr>
+            <a:lvl1pPr algn="ctr">
+              <a:defRPr sz="3200" u="sng">
                 <a:solidFill>
                   <a:schemeClr val="bg1"/>
                 </a:solidFill>
-              </a:rPr>
+                <a:latin typeface="Assistant SemiBold" panose="00000700000000000000" pitchFamily="2" charset="-79"/>
+                <a:cs typeface="Assistant SemiBold" panose="00000700000000000000" pitchFamily="2" charset="-79"/>
+              </a:defRPr>
+            </a:lvl1pPr>
+          </a:lstStyle>
+          <a:p>
+            <a:r>
+              <a:rPr lang="en-US" dirty="0"/>
               <a:t>“When Holy Ghost Shall Come in Power”</a:t>
             </a:r>
           </a:p>
@@ -3052,8 +3062,8 @@
         </p:nvSpPr>
         <p:spPr>
           <a:xfrm>
-            <a:off x="0" y="385646"/>
-            <a:ext cx="12192000" cy="5078313"/>
+            <a:off x="0" y="748900"/>
+            <a:ext cx="12192000" cy="4093428"/>
           </a:xfrm>
           <a:prstGeom prst="rect">
             <a:avLst/>
@@ -3064,100 +3074,68 @@
           <a:bodyPr wrap="square" rtlCol="0">
             <a:spAutoFit/>
           </a:bodyPr>
-          <a:lstStyle/>
-          <a:p>
-            <a:pPr algn="ctr"/>
-            <a:r>
-              <a:rPr lang="en-US" sz="3600" dirty="0">
+          <a:lstStyle>
+            <a:defPPr>
+              <a:defRPr lang="en-US"/>
+            </a:defPPr>
+            <a:lvl1pPr algn="ctr">
+              <a:defRPr sz="2800" spc="50">
                 <a:solidFill>
                   <a:schemeClr val="bg1"/>
                 </a:solidFill>
-              </a:rPr>
+                <a:latin typeface="Assistant" panose="00000500000000000000" pitchFamily="2" charset="-79"/>
+                <a:cs typeface="Assistant" panose="00000500000000000000" pitchFamily="2" charset="-79"/>
+              </a:defRPr>
+            </a:lvl1pPr>
+          </a:lstStyle>
+          <a:p>
+            <a:r>
+              <a:rPr lang="en-US" dirty="0"/>
               <a:t>“When Holy Ghost shall come in power,</a:t>
             </a:r>
           </a:p>
           <a:p>
-            <a:pPr algn="ctr"/>
-            <a:r>
-              <a:rPr lang="en-US" sz="3600" dirty="0">
-                <a:solidFill>
-                  <a:schemeClr val="bg1"/>
-                </a:solidFill>
-              </a:rPr>
+            <a:r>
+              <a:rPr lang="en-US" dirty="0"/>
               <a:t>With knowledge deep, profound,</a:t>
             </a:r>
           </a:p>
           <a:p>
-            <a:pPr algn="ctr"/>
-            <a:r>
-              <a:rPr lang="en-US" sz="3600" dirty="0">
-                <a:solidFill>
-                  <a:schemeClr val="bg1"/>
-                </a:solidFill>
-              </a:rPr>
+            <a:r>
+              <a:rPr lang="en-US" dirty="0"/>
               <a:t>Ye shall be witnesses of me</a:t>
             </a:r>
           </a:p>
           <a:p>
-            <a:pPr algn="ctr"/>
-            <a:r>
-              <a:rPr lang="en-US" sz="3600" dirty="0">
-                <a:solidFill>
-                  <a:schemeClr val="bg1"/>
-                </a:solidFill>
-              </a:rPr>
+            <a:r>
+              <a:rPr lang="en-US" dirty="0"/>
               <a:t>To earth’s remotest bound.</a:t>
             </a:r>
           </a:p>
           <a:p>
-            <a:pPr algn="ctr"/>
-            <a:endParaRPr lang="en-US" sz="3600" dirty="0">
-              <a:solidFill>
-                <a:schemeClr val="bg1"/>
-              </a:solidFill>
-            </a:endParaRPr>
-          </a:p>
-          <a:p>
-            <a:pPr algn="ctr"/>
-            <a:r>
-              <a:rPr lang="en-US" sz="3600" dirty="0">
-                <a:solidFill>
-                  <a:schemeClr val="bg1"/>
-                </a:solidFill>
-              </a:rPr>
+            <a:endParaRPr lang="en-US" dirty="0"/>
+          </a:p>
+          <a:p>
+            <a:r>
+              <a:rPr lang="en-US" dirty="0"/>
               <a:t>Proclaim my words unto the world,</a:t>
             </a:r>
           </a:p>
           <a:p>
-            <a:pPr algn="ctr"/>
-            <a:r>
-              <a:rPr lang="en-US" sz="3600" dirty="0">
-                <a:solidFill>
-                  <a:schemeClr val="bg1"/>
-                </a:solidFill>
-              </a:rPr>
+            <a:r>
+              <a:rPr lang="en-US" dirty="0"/>
               <a:t>To humble men and kings;</a:t>
             </a:r>
           </a:p>
           <a:p>
-            <a:pPr algn="ctr"/>
-            <a:r>
-              <a:rPr lang="en-US" sz="3600" dirty="0">
-                <a:solidFill>
-                  <a:schemeClr val="bg1"/>
-                </a:solidFill>
-              </a:rPr>
+            <a:r>
+              <a:rPr lang="en-US" dirty="0"/>
               <a:t>Bear witness of those things ye know,</a:t>
             </a:r>
           </a:p>
           <a:p>
-            <a:pPr algn="ctr"/>
-            <a:r>
-              <a:rPr lang="en-US" sz="3600" dirty="0">
-                <a:solidFill>
-                  <a:schemeClr val="bg1"/>
-                </a:solidFill>
-              </a:rPr>
+            <a:r>
+              <a:rPr lang="en-US" dirty="0"/>
               <a:t>The peace my Spirit brings.”</a:t>
             </a:r>
           </a:p>
@@ -3270,15 +3248,23 @@
           <a:bodyPr wrap="square" rtlCol="0" anchor="ctr">
             <a:spAutoFit/>
           </a:bodyPr>
-          <a:lstStyle/>
-          <a:p>
-            <a:pPr algn="ctr"/>
-            <a:r>
-              <a:rPr lang="en-US" sz="4800" dirty="0">
+          <a:lstStyle>
+            <a:defPPr>
+              <a:defRPr lang="en-US"/>
+            </a:defPPr>
+            <a:lvl1pPr algn="ctr">
+              <a:defRPr sz="3200" u="sng">
                 <a:solidFill>
                   <a:schemeClr val="bg1"/>
                 </a:solidFill>
-              </a:rPr>
+                <a:latin typeface="Assistant SemiBold" panose="00000700000000000000" pitchFamily="2" charset="-79"/>
+                <a:cs typeface="Assistant SemiBold" panose="00000700000000000000" pitchFamily="2" charset="-79"/>
+              </a:defRPr>
+            </a:lvl1pPr>
+          </a:lstStyle>
+          <a:p>
+            <a:r>
+              <a:rPr lang="en-US" dirty="0"/>
               <a:t>“When Holy Ghost Shall Come in Power”</a:t>
             </a:r>
           </a:p>
@@ -3292,8 +3278,8 @@
         </p:nvSpPr>
         <p:spPr>
           <a:xfrm>
-            <a:off x="0" y="385646"/>
-            <a:ext cx="12192000" cy="5078313"/>
+            <a:off x="0" y="736374"/>
+            <a:ext cx="12192000" cy="4093428"/>
           </a:xfrm>
           <a:prstGeom prst="rect">
             <a:avLst/>
@@ -3304,100 +3290,68 @@
           <a:bodyPr wrap="square" rtlCol="0">
             <a:spAutoFit/>
           </a:bodyPr>
-          <a:lstStyle/>
-          <a:p>
-            <a:pPr algn="ctr"/>
-            <a:r>
-              <a:rPr lang="en-US" sz="3600" dirty="0">
+          <a:lstStyle>
+            <a:defPPr>
+              <a:defRPr lang="en-US"/>
+            </a:defPPr>
+            <a:lvl1pPr algn="ctr">
+              <a:defRPr sz="2800" spc="50">
                 <a:solidFill>
                   <a:schemeClr val="bg1"/>
                 </a:solidFill>
-              </a:rPr>
+                <a:latin typeface="Assistant" panose="00000500000000000000" pitchFamily="2" charset="-79"/>
+                <a:cs typeface="Assistant" panose="00000500000000000000" pitchFamily="2" charset="-79"/>
+              </a:defRPr>
+            </a:lvl1pPr>
+          </a:lstStyle>
+          <a:p>
+            <a:r>
+              <a:rPr lang="en-US" dirty="0"/>
               <a:t>Apostles, prophets, martyrs, saints</a:t>
             </a:r>
           </a:p>
           <a:p>
-            <a:pPr algn="ctr"/>
-            <a:r>
-              <a:rPr lang="en-US" sz="3600" dirty="0">
-                <a:solidFill>
-                  <a:schemeClr val="bg1"/>
-                </a:solidFill>
-              </a:rPr>
+            <a:r>
+              <a:rPr lang="en-US" dirty="0"/>
               <a:t>Have known Him, have confessed</a:t>
             </a:r>
           </a:p>
           <a:p>
-            <a:pPr algn="ctr"/>
-            <a:r>
-              <a:rPr lang="en-US" sz="3600" dirty="0">
-                <a:solidFill>
-                  <a:schemeClr val="bg1"/>
-                </a:solidFill>
-              </a:rPr>
+            <a:r>
+              <a:rPr lang="en-US" dirty="0"/>
               <a:t>That Jesus Christ is King of Kings,</a:t>
             </a:r>
           </a:p>
           <a:p>
-            <a:pPr algn="ctr"/>
-            <a:r>
-              <a:rPr lang="en-US" sz="3600" dirty="0">
-                <a:solidFill>
-                  <a:schemeClr val="bg1"/>
-                </a:solidFill>
-              </a:rPr>
+            <a:r>
+              <a:rPr lang="en-US" dirty="0"/>
               <a:t>God’s Son, forever blessed.</a:t>
             </a:r>
           </a:p>
           <a:p>
-            <a:pPr algn="ctr"/>
-            <a:endParaRPr lang="en-US" sz="3600" dirty="0">
-              <a:solidFill>
-                <a:schemeClr val="bg1"/>
-              </a:solidFill>
-            </a:endParaRPr>
-          </a:p>
-          <a:p>
-            <a:pPr algn="ctr"/>
-            <a:r>
-              <a:rPr lang="en-US" sz="3600" dirty="0">
-                <a:solidFill>
-                  <a:schemeClr val="bg1"/>
-                </a:solidFill>
-              </a:rPr>
+            <a:endParaRPr lang="en-US" dirty="0"/>
+          </a:p>
+          <a:p>
+            <a:r>
+              <a:rPr lang="en-US" dirty="0"/>
               <a:t>Grant, Lord, we too may see and hear</a:t>
             </a:r>
           </a:p>
           <a:p>
-            <a:pPr algn="ctr"/>
-            <a:r>
-              <a:rPr lang="en-US" sz="3600" dirty="0">
-                <a:solidFill>
-                  <a:schemeClr val="bg1"/>
-                </a:solidFill>
-              </a:rPr>
+            <a:r>
+              <a:rPr lang="en-US" dirty="0"/>
               <a:t>And know Thee as did they,</a:t>
             </a:r>
           </a:p>
           <a:p>
-            <a:pPr algn="ctr"/>
-            <a:r>
-              <a:rPr lang="en-US" sz="3600" dirty="0">
-                <a:solidFill>
-                  <a:schemeClr val="bg1"/>
-                </a:solidFill>
-              </a:rPr>
+            <a:r>
+              <a:rPr lang="en-US" dirty="0"/>
               <a:t>Then send us forth to testify</a:t>
             </a:r>
           </a:p>
           <a:p>
-            <a:pPr algn="ctr"/>
-            <a:r>
-              <a:rPr lang="en-US" sz="3600" dirty="0">
-                <a:solidFill>
-                  <a:schemeClr val="bg1"/>
-                </a:solidFill>
-              </a:rPr>
+            <a:r>
+              <a:rPr lang="en-US" dirty="0"/>
               <a:t>Of Christ, the living Way.</a:t>
             </a:r>
           </a:p>
@@ -3510,15 +3464,23 @@
           <a:bodyPr wrap="square" rtlCol="0" anchor="ctr">
             <a:spAutoFit/>
           </a:bodyPr>
-          <a:lstStyle/>
-          <a:p>
-            <a:pPr algn="ctr"/>
-            <a:r>
-              <a:rPr lang="en-US" sz="4800" dirty="0">
+          <a:lstStyle>
+            <a:defPPr>
+              <a:defRPr lang="en-US"/>
+            </a:defPPr>
+            <a:lvl1pPr algn="ctr">
+              <a:defRPr sz="3200" u="sng">
                 <a:solidFill>
                   <a:schemeClr val="bg1"/>
                 </a:solidFill>
-              </a:rPr>
+                <a:latin typeface="Assistant SemiBold" panose="00000700000000000000" pitchFamily="2" charset="-79"/>
+                <a:cs typeface="Assistant SemiBold" panose="00000700000000000000" pitchFamily="2" charset="-79"/>
+              </a:defRPr>
+            </a:lvl1pPr>
+          </a:lstStyle>
+          <a:p>
+            <a:r>
+              <a:rPr lang="en-US" dirty="0"/>
               <a:t>“When Holy Ghost Shall Come in Power”</a:t>
             </a:r>
           </a:p>
@@ -3532,8 +3494,8 @@
         </p:nvSpPr>
         <p:spPr>
           <a:xfrm>
-            <a:off x="0" y="385646"/>
-            <a:ext cx="12192000" cy="5078313"/>
+            <a:off x="0" y="698796"/>
+            <a:ext cx="12192000" cy="4093428"/>
           </a:xfrm>
           <a:prstGeom prst="rect">
             <a:avLst/>
@@ -3544,115 +3506,74 @@
           <a:bodyPr wrap="square" rtlCol="0">
             <a:spAutoFit/>
           </a:bodyPr>
-          <a:lstStyle/>
-          <a:p>
-            <a:pPr algn="ctr"/>
-            <a:r>
-              <a:rPr lang="en-US" sz="3600" dirty="0">
+          <a:lstStyle>
+            <a:defPPr>
+              <a:defRPr lang="en-US"/>
+            </a:defPPr>
+            <a:lvl1pPr algn="ctr">
+              <a:defRPr sz="2800" spc="50">
                 <a:solidFill>
                   <a:schemeClr val="bg1"/>
                 </a:solidFill>
-              </a:rPr>
+                <a:latin typeface="Assistant" panose="00000500000000000000" pitchFamily="2" charset="-79"/>
+                <a:cs typeface="Assistant" panose="00000500000000000000" pitchFamily="2" charset="-79"/>
+              </a:defRPr>
+            </a:lvl1pPr>
+          </a:lstStyle>
+          <a:p>
+            <a:r>
+              <a:rPr lang="en-US" dirty="0"/>
               <a:t>We would not hide the gospel’s light,</a:t>
             </a:r>
           </a:p>
           <a:p>
-            <a:pPr algn="ctr"/>
-            <a:r>
-              <a:rPr lang="en-US" sz="3600" dirty="0">
-                <a:solidFill>
-                  <a:schemeClr val="bg1"/>
-                </a:solidFill>
-              </a:rPr>
+            <a:r>
+              <a:rPr lang="en-US" dirty="0"/>
               <a:t>But sensing man’s great need,</a:t>
             </a:r>
           </a:p>
           <a:p>
-            <a:pPr algn="ctr"/>
-            <a:r>
-              <a:rPr lang="en-US" sz="3600" dirty="0">
-                <a:solidFill>
-                  <a:schemeClr val="bg1"/>
-                </a:solidFill>
-              </a:rPr>
+            <a:r>
+              <a:rPr lang="en-US" dirty="0"/>
               <a:t>We would be witnesses of Christ</a:t>
             </a:r>
           </a:p>
           <a:p>
-            <a:pPr algn="ctr"/>
-            <a:r>
-              <a:rPr lang="en-US" sz="3600" dirty="0">
-                <a:solidFill>
-                  <a:schemeClr val="bg1"/>
-                </a:solidFill>
-              </a:rPr>
+            <a:r>
+              <a:rPr lang="en-US" dirty="0"/>
               <a:t>In life, in word, in deed.</a:t>
             </a:r>
           </a:p>
           <a:p>
-            <a:pPr algn="ctr"/>
-            <a:endParaRPr lang="en-US" sz="3600" dirty="0">
-              <a:solidFill>
-                <a:schemeClr val="bg1"/>
-              </a:solidFill>
-            </a:endParaRPr>
-          </a:p>
-          <a:p>
-            <a:pPr algn="ctr"/>
-            <a:r>
-              <a:rPr lang="en-US" sz="3600" dirty="0">
-                <a:solidFill>
-                  <a:schemeClr val="bg1"/>
-                </a:solidFill>
-              </a:rPr>
+            <a:endParaRPr lang="en-US" dirty="0"/>
+          </a:p>
+          <a:p>
+            <a:r>
+              <a:rPr lang="en-US" dirty="0"/>
               <a:t>Until Thy kingdom comes on Earth, </a:t>
             </a:r>
           </a:p>
           <a:p>
-            <a:pPr algn="ctr"/>
-            <a:r>
-              <a:rPr lang="en-US" sz="3600" dirty="0">
-                <a:solidFill>
-                  <a:schemeClr val="bg1"/>
-                </a:solidFill>
-              </a:rPr>
+            <a:r>
+              <a:rPr lang="en-US" dirty="0"/>
               <a:t>We pledge our lives again;</a:t>
             </a:r>
           </a:p>
           <a:p>
-            <a:pPr algn="ctr"/>
-            <a:r>
-              <a:rPr lang="en-US" sz="3600" dirty="0" err="1">
-                <a:solidFill>
-                  <a:schemeClr val="bg1"/>
-                </a:solidFill>
-              </a:rPr>
+            <a:r>
+              <a:rPr lang="en-US" dirty="0" err="1"/>
               <a:t>‘Til</a:t>
             </a:r>
             <a:r>
-              <a:rPr lang="en-US" sz="3600" dirty="0">
-                <a:solidFill>
-                  <a:schemeClr val="bg1"/>
-                </a:solidFill>
-              </a:rPr>
+              <a:rPr lang="en-US" dirty="0"/>
               <a:t> out of Zion light shall shine</a:t>
             </a:r>
           </a:p>
           <a:p>
-            <a:pPr algn="ctr"/>
-            <a:r>
-              <a:rPr lang="en-US" sz="3600">
-                <a:solidFill>
-                  <a:schemeClr val="bg1"/>
-                </a:solidFill>
-              </a:rPr>
+            <a:r>
+              <a:rPr lang="en-US" dirty="0"/>
               <a:t>In witness to all men.</a:t>
             </a:r>
-            <a:endParaRPr lang="en-US" sz="3600" dirty="0">
-              <a:solidFill>
-                <a:schemeClr val="bg1"/>
-              </a:solidFill>
-            </a:endParaRPr>
           </a:p>
         </p:txBody>
       </p:sp>
